--- a/Lakos_Gergő_vedes.pptx
+++ b/Lakos_Gergő_vedes.pptx
@@ -5,7 +5,7 @@
     <p:sldMasterId id="2147483696" r:id="rId1"/>
   </p:sldMasterIdLst>
   <p:notesMasterIdLst>
-    <p:notesMasterId r:id="rId20"/>
+    <p:notesMasterId r:id="rId17"/>
   </p:notesMasterIdLst>
   <p:sldIdLst>
     <p:sldId id="256" r:id="rId2"/>
@@ -13,19 +13,16 @@
     <p:sldId id="265" r:id="rId4"/>
     <p:sldId id="263" r:id="rId5"/>
     <p:sldId id="266" r:id="rId6"/>
-    <p:sldId id="267" r:id="rId7"/>
-    <p:sldId id="268" r:id="rId8"/>
-    <p:sldId id="269" r:id="rId9"/>
-    <p:sldId id="270" r:id="rId10"/>
-    <p:sldId id="271" r:id="rId11"/>
-    <p:sldId id="272" r:id="rId12"/>
-    <p:sldId id="273" r:id="rId13"/>
-    <p:sldId id="274" r:id="rId14"/>
-    <p:sldId id="275" r:id="rId15"/>
-    <p:sldId id="276" r:id="rId16"/>
-    <p:sldId id="277" r:id="rId17"/>
-    <p:sldId id="278" r:id="rId18"/>
-    <p:sldId id="279" r:id="rId19"/>
+    <p:sldId id="268" r:id="rId7"/>
+    <p:sldId id="269" r:id="rId8"/>
+    <p:sldId id="270" r:id="rId9"/>
+    <p:sldId id="271" r:id="rId10"/>
+    <p:sldId id="272" r:id="rId11"/>
+    <p:sldId id="273" r:id="rId12"/>
+    <p:sldId id="275" r:id="rId13"/>
+    <p:sldId id="276" r:id="rId14"/>
+    <p:sldId id="277" r:id="rId15"/>
+    <p:sldId id="278" r:id="rId16"/>
   </p:sldIdLst>
   <p:sldSz cx="9144000" cy="6858000" type="screen4x3"/>
   <p:notesSz cx="6858000" cy="9144000"/>
@@ -4010,101 +4007,6 @@
 </file>
 
 <file path=ppt/slides/slide10.xml><?xml version="1.0" encoding="utf-8"?>
-<p:sld xmlns:a="http://schemas.openxmlformats.org/drawingml/2006/main" xmlns:r="http://schemas.openxmlformats.org/officeDocument/2006/relationships" xmlns:p="http://schemas.openxmlformats.org/presentationml/2006/main">
-  <p:cSld>
-    <p:spTree>
-      <p:nvGrpSpPr>
-        <p:cNvPr id="1" name=""/>
-        <p:cNvGrpSpPr/>
-        <p:nvPr/>
-      </p:nvGrpSpPr>
-      <p:grpSpPr>
-        <a:xfrm>
-          <a:off x="0" y="0"/>
-          <a:ext cx="0" cy="0"/>
-          <a:chOff x="0" y="0"/>
-          <a:chExt cx="0" cy="0"/>
-        </a:xfrm>
-      </p:grpSpPr>
-      <p:sp>
-        <p:nvSpPr>
-          <p:cNvPr id="2" name="Cím 1">
-            <a:extLst>
-              <a:ext uri="{FF2B5EF4-FFF2-40B4-BE49-F238E27FC236}">
-                <a16:creationId xmlns:a16="http://schemas.microsoft.com/office/drawing/2014/main" id="{C74CC35C-4339-7A06-AE28-5D0ACA78867A}"/>
-              </a:ext>
-            </a:extLst>
-          </p:cNvPr>
-          <p:cNvSpPr>
-            <a:spLocks noGrp="1"/>
-          </p:cNvSpPr>
-          <p:nvPr>
-            <p:ph type="title"/>
-          </p:nvPr>
-        </p:nvSpPr>
-        <p:spPr/>
-        <p:txBody>
-          <a:bodyPr/>
-          <a:lstStyle/>
-          <a:p>
-            <a:r>
-              <a:rPr lang="hu-HU" dirty="0" err="1"/>
-              <a:t>Admin</a:t>
-            </a:r>
-            <a:r>
-              <a:rPr lang="hu-HU" dirty="0"/>
-              <a:t> főoldal:</a:t>
-            </a:r>
-            <a:endParaRPr lang="en-US" dirty="0"/>
-          </a:p>
-        </p:txBody>
-      </p:sp>
-      <p:pic>
-        <p:nvPicPr>
-          <p:cNvPr id="4" name="Tartalom helye 3">
-            <a:extLst>
-              <a:ext uri="{FF2B5EF4-FFF2-40B4-BE49-F238E27FC236}">
-                <a16:creationId xmlns:a16="http://schemas.microsoft.com/office/drawing/2014/main" id="{E395E58D-D40F-6CBC-120F-619B20F89806}"/>
-              </a:ext>
-            </a:extLst>
-          </p:cNvPr>
-          <p:cNvPicPr>
-            <a:picLocks noGrp="1" noChangeAspect="1"/>
-          </p:cNvPicPr>
-          <p:nvPr>
-            <p:ph idx="1"/>
-          </p:nvPr>
-        </p:nvPicPr>
-        <p:blipFill>
-          <a:blip r:embed="rId2"/>
-          <a:stretch>
-            <a:fillRect/>
-          </a:stretch>
-        </p:blipFill>
-        <p:spPr>
-          <a:xfrm>
-            <a:off x="494114" y="2276872"/>
-            <a:ext cx="7698732" cy="2016224"/>
-          </a:xfrm>
-          <a:prstGeom prst="rect">
-            <a:avLst/>
-          </a:prstGeom>
-        </p:spPr>
-      </p:pic>
-    </p:spTree>
-    <p:extLst>
-      <p:ext uri="{BB962C8B-B14F-4D97-AF65-F5344CB8AC3E}">
-        <p14:creationId xmlns:p14="http://schemas.microsoft.com/office/powerpoint/2010/main" val="3241546182"/>
-      </p:ext>
-    </p:extLst>
-  </p:cSld>
-  <p:clrMapOvr>
-    <a:masterClrMapping/>
-  </p:clrMapOvr>
-</p:sld>
-</file>
-
-<file path=ppt/slides/slide11.xml><?xml version="1.0" encoding="utf-8"?>
 <p:sld xmlns:a="http://schemas.openxmlformats.org/drawingml/2006/main" xmlns:r="http://schemas.openxmlformats.org/officeDocument/2006/relationships" xmlns:p="http://schemas.openxmlformats.org/presentationml/2006/main">
   <p:cSld>
     <p:spTree>
@@ -4610,7 +4512,7 @@
 </p:sld>
 </file>
 
-<file path=ppt/slides/slide12.xml><?xml version="1.0" encoding="utf-8"?>
+<file path=ppt/slides/slide11.xml><?xml version="1.0" encoding="utf-8"?>
 <p:sld xmlns:a="http://schemas.openxmlformats.org/drawingml/2006/main" xmlns:r="http://schemas.openxmlformats.org/officeDocument/2006/relationships" xmlns:p="http://schemas.openxmlformats.org/presentationml/2006/main">
   <p:cSld>
     <p:spTree>
@@ -4985,388 +4887,7 @@
 </p:sld>
 </file>
 
-<file path=ppt/slides/slide13.xml><?xml version="1.0" encoding="utf-8"?>
-<p:sld xmlns:a="http://schemas.openxmlformats.org/drawingml/2006/main" xmlns:r="http://schemas.openxmlformats.org/officeDocument/2006/relationships" xmlns:p="http://schemas.openxmlformats.org/presentationml/2006/main">
-  <p:cSld>
-    <p:spTree>
-      <p:nvGrpSpPr>
-        <p:cNvPr id="1" name=""/>
-        <p:cNvGrpSpPr/>
-        <p:nvPr/>
-      </p:nvGrpSpPr>
-      <p:grpSpPr>
-        <a:xfrm>
-          <a:off x="0" y="0"/>
-          <a:ext cx="0" cy="0"/>
-          <a:chOff x="0" y="0"/>
-          <a:chExt cx="0" cy="0"/>
-        </a:xfrm>
-      </p:grpSpPr>
-      <p:sp>
-        <p:nvSpPr>
-          <p:cNvPr id="2" name="Cím 1">
-            <a:extLst>
-              <a:ext uri="{FF2B5EF4-FFF2-40B4-BE49-F238E27FC236}">
-                <a16:creationId xmlns:a16="http://schemas.microsoft.com/office/drawing/2014/main" id="{31545892-C171-5718-4D83-CAA41CABF1D9}"/>
-              </a:ext>
-            </a:extLst>
-          </p:cNvPr>
-          <p:cNvSpPr>
-            <a:spLocks noGrp="1"/>
-          </p:cNvSpPr>
-          <p:nvPr>
-            <p:ph type="title"/>
-          </p:nvPr>
-        </p:nvSpPr>
-        <p:spPr/>
-        <p:txBody>
-          <a:bodyPr/>
-          <a:lstStyle/>
-          <a:p>
-            <a:r>
-              <a:rPr lang="hu-HU" dirty="0"/>
-              <a:t>Termékek kezelése:</a:t>
-            </a:r>
-            <a:endParaRPr lang="en-US" dirty="0"/>
-          </a:p>
-        </p:txBody>
-      </p:sp>
-      <p:pic>
-        <p:nvPicPr>
-          <p:cNvPr id="4" name="Kép 3" descr="A képen szöveg, Webhely látható&#10;&#10;Automatikusan generált leírás">
-            <a:extLst>
-              <a:ext uri="{FF2B5EF4-FFF2-40B4-BE49-F238E27FC236}">
-                <a16:creationId xmlns:a16="http://schemas.microsoft.com/office/drawing/2014/main" id="{D9CAF01A-BB7F-ACE7-0ED0-1242AEBDC99E}"/>
-              </a:ext>
-            </a:extLst>
-          </p:cNvPr>
-          <p:cNvPicPr>
-            <a:picLocks noChangeAspect="1"/>
-          </p:cNvPicPr>
-          <p:nvPr/>
-        </p:nvPicPr>
-        <p:blipFill>
-          <a:blip r:embed="rId2"/>
-          <a:stretch>
-            <a:fillRect/>
-          </a:stretch>
-        </p:blipFill>
-        <p:spPr>
-          <a:xfrm>
-            <a:off x="946404" y="1724432"/>
-            <a:ext cx="6886016" cy="2376264"/>
-          </a:xfrm>
-          <a:prstGeom prst="rect">
-            <a:avLst/>
-          </a:prstGeom>
-        </p:spPr>
-      </p:pic>
-      <p:pic>
-        <p:nvPicPr>
-          <p:cNvPr id="5" name="Kép 4">
-            <a:extLst>
-              <a:ext uri="{FF2B5EF4-FFF2-40B4-BE49-F238E27FC236}">
-                <a16:creationId xmlns:a16="http://schemas.microsoft.com/office/drawing/2014/main" id="{D6EC909A-5270-C198-F27E-A0C9094EF2EB}"/>
-              </a:ext>
-            </a:extLst>
-          </p:cNvPr>
-          <p:cNvPicPr>
-            <a:picLocks/>
-          </p:cNvPicPr>
-          <p:nvPr/>
-        </p:nvPicPr>
-        <p:blipFill>
-          <a:blip r:embed="rId3">
-            <a:extLst>
-              <a:ext uri="{28A0092B-C50C-407E-A947-70E740481C1C}">
-                <a14:useLocalDpi xmlns:a14="http://schemas.microsoft.com/office/drawing/2010/main" val="0"/>
-              </a:ext>
-            </a:extLst>
-          </a:blip>
-          <a:stretch>
-            <a:fillRect/>
-          </a:stretch>
-        </p:blipFill>
-        <p:spPr>
-          <a:xfrm>
-            <a:off x="3419873" y="4100696"/>
-            <a:ext cx="2290001" cy="2560320"/>
-          </a:xfrm>
-          <a:prstGeom prst="rect">
-            <a:avLst/>
-          </a:prstGeom>
-        </p:spPr>
-      </p:pic>
-      <p:pic>
-        <p:nvPicPr>
-          <p:cNvPr id="6" name="Kép 5">
-            <a:extLst>
-              <a:ext uri="{FF2B5EF4-FFF2-40B4-BE49-F238E27FC236}">
-                <a16:creationId xmlns:a16="http://schemas.microsoft.com/office/drawing/2014/main" id="{7238E134-454F-A842-A953-B9FAC68CB41F}"/>
-              </a:ext>
-            </a:extLst>
-          </p:cNvPr>
-          <p:cNvPicPr>
-            <a:picLocks/>
-          </p:cNvPicPr>
-          <p:nvPr/>
-        </p:nvPicPr>
-        <p:blipFill>
-          <a:blip r:embed="rId4">
-            <a:extLst>
-              <a:ext uri="{28A0092B-C50C-407E-A947-70E740481C1C}">
-                <a14:useLocalDpi xmlns:a14="http://schemas.microsoft.com/office/drawing/2010/main" val="0"/>
-              </a:ext>
-            </a:extLst>
-          </a:blip>
-          <a:stretch>
-            <a:fillRect/>
-          </a:stretch>
-        </p:blipFill>
-        <p:spPr>
-          <a:xfrm>
-            <a:off x="3419873" y="4100696"/>
-            <a:ext cx="2286000" cy="2560320"/>
-          </a:xfrm>
-          <a:prstGeom prst="rect">
-            <a:avLst/>
-          </a:prstGeom>
-        </p:spPr>
-      </p:pic>
-    </p:spTree>
-    <p:extLst>
-      <p:ext uri="{BB962C8B-B14F-4D97-AF65-F5344CB8AC3E}">
-        <p14:creationId xmlns:p14="http://schemas.microsoft.com/office/powerpoint/2010/main" val="1742155620"/>
-      </p:ext>
-    </p:extLst>
-  </p:cSld>
-  <p:clrMapOvr>
-    <a:masterClrMapping/>
-  </p:clrMapOvr>
-  <p:timing>
-    <p:tnLst>
-      <p:par>
-        <p:cTn id="1" dur="indefinite" restart="never" nodeType="tmRoot">
-          <p:childTnLst>
-            <p:seq concurrent="1" nextAc="seek">
-              <p:cTn id="2" dur="indefinite" nodeType="mainSeq">
-                <p:childTnLst>
-                  <p:par>
-                    <p:cTn id="3" fill="hold">
-                      <p:stCondLst>
-                        <p:cond delay="indefinite"/>
-                      </p:stCondLst>
-                      <p:childTnLst>
-                        <p:par>
-                          <p:cTn id="4" fill="hold">
-                            <p:stCondLst>
-                              <p:cond delay="0"/>
-                            </p:stCondLst>
-                            <p:childTnLst>
-                              <p:par>
-                                <p:cTn id="5" presetID="42" presetClass="entr" presetSubtype="0" fill="hold" nodeType="clickEffect">
-                                  <p:stCondLst>
-                                    <p:cond delay="0"/>
-                                  </p:stCondLst>
-                                  <p:childTnLst>
-                                    <p:set>
-                                      <p:cBhvr>
-                                        <p:cTn id="6" dur="1" fill="hold">
-                                          <p:stCondLst>
-                                            <p:cond delay="0"/>
-                                          </p:stCondLst>
-                                        </p:cTn>
-                                        <p:tgtEl>
-                                          <p:spTgt spid="5"/>
-                                        </p:tgtEl>
-                                        <p:attrNameLst>
-                                          <p:attrName>style.visibility</p:attrName>
-                                        </p:attrNameLst>
-                                      </p:cBhvr>
-                                      <p:to>
-                                        <p:strVal val="visible"/>
-                                      </p:to>
-                                    </p:set>
-                                    <p:animEffect transition="in" filter="fade">
-                                      <p:cBhvr>
-                                        <p:cTn id="7" dur="1000"/>
-                                        <p:tgtEl>
-                                          <p:spTgt spid="5"/>
-                                        </p:tgtEl>
-                                      </p:cBhvr>
-                                    </p:animEffect>
-                                    <p:anim calcmode="lin" valueType="num">
-                                      <p:cBhvr>
-                                        <p:cTn id="8" dur="1000" fill="hold"/>
-                                        <p:tgtEl>
-                                          <p:spTgt spid="5"/>
-                                        </p:tgtEl>
-                                        <p:attrNameLst>
-                                          <p:attrName>ppt_x</p:attrName>
-                                        </p:attrNameLst>
-                                      </p:cBhvr>
-                                      <p:tavLst>
-                                        <p:tav tm="0">
-                                          <p:val>
-                                            <p:strVal val="#ppt_x"/>
-                                          </p:val>
-                                        </p:tav>
-                                        <p:tav tm="100000">
-                                          <p:val>
-                                            <p:strVal val="#ppt_x"/>
-                                          </p:val>
-                                        </p:tav>
-                                      </p:tavLst>
-                                    </p:anim>
-                                    <p:anim calcmode="lin" valueType="num">
-                                      <p:cBhvr>
-                                        <p:cTn id="9" dur="1000" fill="hold"/>
-                                        <p:tgtEl>
-                                          <p:spTgt spid="5"/>
-                                        </p:tgtEl>
-                                        <p:attrNameLst>
-                                          <p:attrName>ppt_y</p:attrName>
-                                        </p:attrNameLst>
-                                      </p:cBhvr>
-                                      <p:tavLst>
-                                        <p:tav tm="0">
-                                          <p:val>
-                                            <p:strVal val="#ppt_y+.1"/>
-                                          </p:val>
-                                        </p:tav>
-                                        <p:tav tm="100000">
-                                          <p:val>
-                                            <p:strVal val="#ppt_y"/>
-                                          </p:val>
-                                        </p:tav>
-                                      </p:tavLst>
-                                    </p:anim>
-                                  </p:childTnLst>
-                                </p:cTn>
-                              </p:par>
-                            </p:childTnLst>
-                          </p:cTn>
-                        </p:par>
-                      </p:childTnLst>
-                    </p:cTn>
-                  </p:par>
-                  <p:par>
-                    <p:cTn id="10" fill="hold">
-                      <p:stCondLst>
-                        <p:cond delay="indefinite"/>
-                      </p:stCondLst>
-                      <p:childTnLst>
-                        <p:par>
-                          <p:cTn id="11" fill="hold">
-                            <p:stCondLst>
-                              <p:cond delay="0"/>
-                            </p:stCondLst>
-                            <p:childTnLst>
-                              <p:par>
-                                <p:cTn id="12" presetID="2" presetClass="entr" presetSubtype="4" fill="hold" nodeType="clickEffect">
-                                  <p:stCondLst>
-                                    <p:cond delay="0"/>
-                                  </p:stCondLst>
-                                  <p:childTnLst>
-                                    <p:set>
-                                      <p:cBhvr>
-                                        <p:cTn id="13" dur="1" fill="hold">
-                                          <p:stCondLst>
-                                            <p:cond delay="0"/>
-                                          </p:stCondLst>
-                                        </p:cTn>
-                                        <p:tgtEl>
-                                          <p:spTgt spid="6"/>
-                                        </p:tgtEl>
-                                        <p:attrNameLst>
-                                          <p:attrName>style.visibility</p:attrName>
-                                        </p:attrNameLst>
-                                      </p:cBhvr>
-                                      <p:to>
-                                        <p:strVal val="visible"/>
-                                      </p:to>
-                                    </p:set>
-                                    <p:anim calcmode="lin" valueType="num">
-                                      <p:cBhvr additive="base">
-                                        <p:cTn id="14" dur="500" fill="hold"/>
-                                        <p:tgtEl>
-                                          <p:spTgt spid="6"/>
-                                        </p:tgtEl>
-                                        <p:attrNameLst>
-                                          <p:attrName>ppt_x</p:attrName>
-                                        </p:attrNameLst>
-                                      </p:cBhvr>
-                                      <p:tavLst>
-                                        <p:tav tm="0">
-                                          <p:val>
-                                            <p:strVal val="#ppt_x"/>
-                                          </p:val>
-                                        </p:tav>
-                                        <p:tav tm="100000">
-                                          <p:val>
-                                            <p:strVal val="#ppt_x"/>
-                                          </p:val>
-                                        </p:tav>
-                                      </p:tavLst>
-                                    </p:anim>
-                                    <p:anim calcmode="lin" valueType="num">
-                                      <p:cBhvr additive="base">
-                                        <p:cTn id="15" dur="500" fill="hold"/>
-                                        <p:tgtEl>
-                                          <p:spTgt spid="6"/>
-                                        </p:tgtEl>
-                                        <p:attrNameLst>
-                                          <p:attrName>ppt_y</p:attrName>
-                                        </p:attrNameLst>
-                                      </p:cBhvr>
-                                      <p:tavLst>
-                                        <p:tav tm="0">
-                                          <p:val>
-                                            <p:strVal val="1+#ppt_h/2"/>
-                                          </p:val>
-                                        </p:tav>
-                                        <p:tav tm="100000">
-                                          <p:val>
-                                            <p:strVal val="#ppt_y"/>
-                                          </p:val>
-                                        </p:tav>
-                                      </p:tavLst>
-                                    </p:anim>
-                                  </p:childTnLst>
-                                </p:cTn>
-                              </p:par>
-                            </p:childTnLst>
-                          </p:cTn>
-                        </p:par>
-                      </p:childTnLst>
-                    </p:cTn>
-                  </p:par>
-                </p:childTnLst>
-              </p:cTn>
-              <p:prevCondLst>
-                <p:cond evt="onPrev" delay="0">
-                  <p:tgtEl>
-                    <p:sldTgt/>
-                  </p:tgtEl>
-                </p:cond>
-              </p:prevCondLst>
-              <p:nextCondLst>
-                <p:cond evt="onNext" delay="0">
-                  <p:tgtEl>
-                    <p:sldTgt/>
-                  </p:tgtEl>
-                </p:cond>
-              </p:nextCondLst>
-            </p:seq>
-          </p:childTnLst>
-        </p:cTn>
-      </p:par>
-    </p:tnLst>
-  </p:timing>
-</p:sld>
-</file>
-
-<file path=ppt/slides/slide14.xml><?xml version="1.0" encoding="utf-8"?>
+<file path=ppt/slides/slide12.xml><?xml version="1.0" encoding="utf-8"?>
 <p:sld xmlns:a="http://schemas.openxmlformats.org/drawingml/2006/main" xmlns:r="http://schemas.openxmlformats.org/officeDocument/2006/relationships" xmlns:p="http://schemas.openxmlformats.org/presentationml/2006/main">
   <p:cSld>
     <p:spTree>
@@ -5612,7 +5133,7 @@
 </p:sld>
 </file>
 
-<file path=ppt/slides/slide15.xml><?xml version="1.0" encoding="utf-8"?>
+<file path=ppt/slides/slide13.xml><?xml version="1.0" encoding="utf-8"?>
 <p:sld xmlns:a="http://schemas.openxmlformats.org/drawingml/2006/main" xmlns:r="http://schemas.openxmlformats.org/officeDocument/2006/relationships" xmlns:p="http://schemas.openxmlformats.org/presentationml/2006/main">
   <p:cSld>
     <p:spTree>
@@ -5705,7 +5226,7 @@
 </p:sld>
 </file>
 
-<file path=ppt/slides/slide16.xml><?xml version="1.0" encoding="utf-8"?>
+<file path=ppt/slides/slide14.xml><?xml version="1.0" encoding="utf-8"?>
 <p:sld xmlns:a="http://schemas.openxmlformats.org/drawingml/2006/main" xmlns:r="http://schemas.openxmlformats.org/officeDocument/2006/relationships" xmlns:p="http://schemas.openxmlformats.org/presentationml/2006/main">
   <p:cSld>
     <p:spTree>
@@ -5828,7 +5349,7 @@
 </p:sld>
 </file>
 
-<file path=ppt/slides/slide17.xml><?xml version="1.0" encoding="utf-8"?>
+<file path=ppt/slides/slide15.xml><?xml version="1.0" encoding="utf-8"?>
 <p:sld xmlns:a="http://schemas.openxmlformats.org/drawingml/2006/main" xmlns:r="http://schemas.openxmlformats.org/officeDocument/2006/relationships" xmlns:p="http://schemas.openxmlformats.org/presentationml/2006/main">
   <p:cSld>
     <p:spTree>
@@ -5897,40 +5418,38 @@
           </a:bodyPr>
           <a:lstStyle/>
           <a:p>
-            <a:pPr marL="0" indent="0">
-              <a:buNone/>
-            </a:pPr>
-            <a:r>
-              <a:rPr lang="hu-HU" sz="2400" b="0" i="0" u="none" strike="noStrike" dirty="0">
+            <a:r>
+              <a:rPr lang="hu-HU" sz="3200" dirty="0">
                 <a:solidFill>
                   <a:srgbClr val="000000"/>
                 </a:solidFill>
-                <a:effectLst/>
                 <a:latin typeface="Arial" panose="020B0604020202020204" pitchFamily="34" charset="0"/>
               </a:rPr>
-              <a:t> Mikor belevágtam a program elkészítésébe nem gondoltam volna, hogy ennyire nehéz egy működőképes front és backend-el ellátott programot elkészíteni. Sajnos mivel nem voltam tapasztalt ezen a téren nehezen fogtam fel a dolgokat és a </a:t>
-            </a:r>
-            <a:r>
-              <a:rPr lang="hu-HU" sz="2400" b="0" i="0" u="none" strike="noStrike" dirty="0" err="1">
+              <a:t>Frontend-backend</a:t>
+            </a:r>
+          </a:p>
+          <a:p>
+            <a:r>
+              <a:rPr lang="hu-HU" sz="3200" dirty="0">
                 <a:solidFill>
                   <a:srgbClr val="000000"/>
                 </a:solidFill>
-                <a:effectLst/>
                 <a:latin typeface="Arial" panose="020B0604020202020204" pitchFamily="34" charset="0"/>
               </a:rPr>
-              <a:t>html</a:t>
-            </a:r>
-            <a:r>
-              <a:rPr lang="hu-HU" sz="2400" b="0" i="0" u="none" strike="noStrike" dirty="0">
+              <a:t>Elképzelés megvalósítása</a:t>
+            </a:r>
+          </a:p>
+          <a:p>
+            <a:r>
+              <a:rPr lang="hu-HU" sz="3200" dirty="0">
                 <a:solidFill>
                   <a:srgbClr val="000000"/>
                 </a:solidFill>
-                <a:effectLst/>
                 <a:latin typeface="Arial" panose="020B0604020202020204" pitchFamily="34" charset="0"/>
               </a:rPr>
-              <a:t> részen kívül minden újdonság volt. A projekt elkészítése alatt ha nem is értettem meg mindent legalább értékes tapasztalatot szereztem amit remélem a későbbiekbe segítségemre lesznek.</a:t>
-            </a:r>
-            <a:endParaRPr lang="en-US" sz="2400" dirty="0"/>
+              <a:t>Összegzés</a:t>
+            </a:r>
+            <a:endParaRPr lang="en-US" sz="3200" dirty="0"/>
           </a:p>
         </p:txBody>
       </p:sp>
@@ -5944,112 +5463,183 @@
   <p:clrMapOvr>
     <a:masterClrMapping/>
   </p:clrMapOvr>
-</p:sld>
-</file>
-
-<file path=ppt/slides/slide18.xml><?xml version="1.0" encoding="utf-8"?>
-<p:sld xmlns:a="http://schemas.openxmlformats.org/drawingml/2006/main" xmlns:r="http://schemas.openxmlformats.org/officeDocument/2006/relationships" xmlns:p="http://schemas.openxmlformats.org/presentationml/2006/main">
-  <p:cSld>
-    <p:spTree>
-      <p:nvGrpSpPr>
-        <p:cNvPr id="1" name=""/>
-        <p:cNvGrpSpPr/>
-        <p:nvPr/>
-      </p:nvGrpSpPr>
-      <p:grpSpPr>
-        <a:xfrm>
-          <a:off x="0" y="0"/>
-          <a:ext cx="0" cy="0"/>
-          <a:chOff x="0" y="0"/>
-          <a:chExt cx="0" cy="0"/>
-        </a:xfrm>
-      </p:grpSpPr>
-      <p:sp>
-        <p:nvSpPr>
-          <p:cNvPr id="2" name="Cím 1">
-            <a:extLst>
-              <a:ext uri="{FF2B5EF4-FFF2-40B4-BE49-F238E27FC236}">
-                <a16:creationId xmlns:a16="http://schemas.microsoft.com/office/drawing/2014/main" id="{594950F8-E7CD-41C3-80F7-7E7F83F5D80A}"/>
-              </a:ext>
-            </a:extLst>
-          </p:cNvPr>
-          <p:cNvSpPr>
-            <a:spLocks noGrp="1"/>
-          </p:cNvSpPr>
-          <p:nvPr>
-            <p:ph type="title"/>
-          </p:nvPr>
-        </p:nvSpPr>
-        <p:spPr/>
-        <p:txBody>
-          <a:bodyPr/>
-          <a:lstStyle/>
-          <a:p>
-            <a:r>
-              <a:rPr lang="hu-HU" dirty="0"/>
-              <a:t>Nehézségek megoldása:</a:t>
-            </a:r>
-            <a:endParaRPr lang="en-US" dirty="0"/>
-          </a:p>
-        </p:txBody>
-      </p:sp>
-      <p:sp>
-        <p:nvSpPr>
-          <p:cNvPr id="3" name="Tartalom helye 2">
-            <a:extLst>
-              <a:ext uri="{FF2B5EF4-FFF2-40B4-BE49-F238E27FC236}">
-                <a16:creationId xmlns:a16="http://schemas.microsoft.com/office/drawing/2014/main" id="{F50EF38C-50FA-FAEE-CBC5-4DA1E2080267}"/>
-              </a:ext>
-            </a:extLst>
-          </p:cNvPr>
-          <p:cNvSpPr>
-            <a:spLocks noGrp="1"/>
-          </p:cNvSpPr>
-          <p:nvPr>
-            <p:ph idx="1"/>
-          </p:nvPr>
-        </p:nvSpPr>
-        <p:spPr/>
-        <p:txBody>
-          <a:bodyPr/>
-          <a:lstStyle/>
-          <a:p>
-            <a:pPr marL="0" indent="0">
-              <a:lnSpc>
-                <a:spcPct val="150000"/>
-              </a:lnSpc>
-              <a:spcBef>
-                <a:spcPts val="3000"/>
-              </a:spcBef>
-              <a:spcAft>
-                <a:spcPts val="600"/>
-              </a:spcAft>
-              <a:buNone/>
-            </a:pPr>
-            <a:r>
-              <a:rPr lang="hu-HU" sz="2000" dirty="0">
-                <a:latin typeface="Times New Roman" panose="02020603050405020304" pitchFamily="18" charset="0"/>
-                <a:cs typeface="Times New Roman" panose="02020603050405020304" pitchFamily="18" charset="0"/>
-              </a:rPr>
-              <a:t>Ahogy említettem mivel szinte nulla tudassál vágtam neki a projektnek elkezdéséhez sok internetes portálon kellet utána járnom, hogy hogyan tudom megvalósítani a weboldalam. A feladatt elkészítése során sok problémába ütközem amit sok próbálkozással és utána interneten való keresgéléssel oldottam meg, amit pedig nem sikerült megoldanom ki vettem a programból. Remélem a jövőbe hozzá tudom adni a programomhoz az kezdeteknél eltervezett funkciókat.</a:t>
-            </a:r>
-            <a:endParaRPr lang="en-US" sz="2000" dirty="0">
-              <a:latin typeface="Times New Roman" panose="02020603050405020304" pitchFamily="18" charset="0"/>
-              <a:cs typeface="Times New Roman" panose="02020603050405020304" pitchFamily="18" charset="0"/>
-            </a:endParaRPr>
-          </a:p>
-        </p:txBody>
-      </p:sp>
-    </p:spTree>
-    <p:extLst>
-      <p:ext uri="{BB962C8B-B14F-4D97-AF65-F5344CB8AC3E}">
-        <p14:creationId xmlns:p14="http://schemas.microsoft.com/office/powerpoint/2010/main" val="2648679715"/>
-      </p:ext>
-    </p:extLst>
-  </p:cSld>
-  <p:clrMapOvr>
-    <a:masterClrMapping/>
-  </p:clrMapOvr>
+  <p:timing>
+    <p:tnLst>
+      <p:par>
+        <p:cTn id="1" dur="indefinite" restart="never" nodeType="tmRoot">
+          <p:childTnLst>
+            <p:seq concurrent="1" nextAc="seek">
+              <p:cTn id="2" dur="indefinite" nodeType="mainSeq">
+                <p:childTnLst>
+                  <p:par>
+                    <p:cTn id="3" fill="hold">
+                      <p:stCondLst>
+                        <p:cond delay="indefinite"/>
+                      </p:stCondLst>
+                      <p:childTnLst>
+                        <p:par>
+                          <p:cTn id="4" fill="hold">
+                            <p:stCondLst>
+                              <p:cond delay="0"/>
+                            </p:stCondLst>
+                            <p:childTnLst>
+                              <p:par>
+                                <p:cTn id="5" presetID="1" presetClass="entr" presetSubtype="0" fill="hold" nodeType="clickEffect">
+                                  <p:stCondLst>
+                                    <p:cond delay="0"/>
+                                  </p:stCondLst>
+                                  <p:childTnLst>
+                                    <p:set>
+                                      <p:cBhvr>
+                                        <p:cTn id="6" dur="1" fill="hold">
+                                          <p:stCondLst>
+                                            <p:cond delay="0"/>
+                                          </p:stCondLst>
+                                        </p:cTn>
+                                        <p:tgtEl>
+                                          <p:spTgt spid="3">
+                                            <p:txEl>
+                                              <p:pRg st="0" end="0"/>
+                                            </p:txEl>
+                                          </p:spTgt>
+                                        </p:tgtEl>
+                                        <p:attrNameLst>
+                                          <p:attrName>style.visibility</p:attrName>
+                                        </p:attrNameLst>
+                                      </p:cBhvr>
+                                      <p:to>
+                                        <p:strVal val="visible"/>
+                                      </p:to>
+                                    </p:set>
+                                  </p:childTnLst>
+                                </p:cTn>
+                              </p:par>
+                            </p:childTnLst>
+                          </p:cTn>
+                        </p:par>
+                      </p:childTnLst>
+                    </p:cTn>
+                  </p:par>
+                  <p:par>
+                    <p:cTn id="7" fill="hold">
+                      <p:stCondLst>
+                        <p:cond delay="indefinite"/>
+                      </p:stCondLst>
+                      <p:childTnLst>
+                        <p:par>
+                          <p:cTn id="8" fill="hold">
+                            <p:stCondLst>
+                              <p:cond delay="0"/>
+                            </p:stCondLst>
+                            <p:childTnLst>
+                              <p:par>
+                                <p:cTn id="9" presetID="1" presetClass="entr" presetSubtype="0" fill="hold" nodeType="clickEffect">
+                                  <p:stCondLst>
+                                    <p:cond delay="0"/>
+                                  </p:stCondLst>
+                                  <p:childTnLst>
+                                    <p:set>
+                                      <p:cBhvr>
+                                        <p:cTn id="10" dur="1" fill="hold">
+                                          <p:stCondLst>
+                                            <p:cond delay="0"/>
+                                          </p:stCondLst>
+                                        </p:cTn>
+                                        <p:tgtEl>
+                                          <p:spTgt spid="3">
+                                            <p:txEl>
+                                              <p:pRg st="1" end="1"/>
+                                            </p:txEl>
+                                          </p:spTgt>
+                                        </p:tgtEl>
+                                        <p:attrNameLst>
+                                          <p:attrName>style.visibility</p:attrName>
+                                        </p:attrNameLst>
+                                      </p:cBhvr>
+                                      <p:to>
+                                        <p:strVal val="visible"/>
+                                      </p:to>
+                                    </p:set>
+                                  </p:childTnLst>
+                                </p:cTn>
+                              </p:par>
+                            </p:childTnLst>
+                          </p:cTn>
+                        </p:par>
+                      </p:childTnLst>
+                    </p:cTn>
+                  </p:par>
+                  <p:par>
+                    <p:cTn id="11" fill="hold">
+                      <p:stCondLst>
+                        <p:cond delay="indefinite"/>
+                      </p:stCondLst>
+                      <p:childTnLst>
+                        <p:par>
+                          <p:cTn id="12" fill="hold">
+                            <p:stCondLst>
+                              <p:cond delay="0"/>
+                            </p:stCondLst>
+                            <p:childTnLst>
+                              <p:par>
+                                <p:cTn id="13" presetID="1" presetClass="entr" presetSubtype="0" fill="hold" nodeType="clickEffect">
+                                  <p:stCondLst>
+                                    <p:cond delay="0"/>
+                                  </p:stCondLst>
+                                  <p:childTnLst>
+                                    <p:set>
+                                      <p:cBhvr>
+                                        <p:cTn id="14" dur="1" fill="hold">
+                                          <p:stCondLst>
+                                            <p:cond delay="0"/>
+                                          </p:stCondLst>
+                                        </p:cTn>
+                                        <p:tgtEl>
+                                          <p:spTgt spid="3">
+                                            <p:txEl>
+                                              <p:pRg st="2" end="2"/>
+                                            </p:txEl>
+                                          </p:spTgt>
+                                        </p:tgtEl>
+                                        <p:attrNameLst>
+                                          <p:attrName>style.visibility</p:attrName>
+                                        </p:attrNameLst>
+                                      </p:cBhvr>
+                                      <p:to>
+                                        <p:strVal val="visible"/>
+                                      </p:to>
+                                    </p:set>
+                                  </p:childTnLst>
+                                </p:cTn>
+                              </p:par>
+                            </p:childTnLst>
+                          </p:cTn>
+                        </p:par>
+                      </p:childTnLst>
+                    </p:cTn>
+                  </p:par>
+                </p:childTnLst>
+              </p:cTn>
+              <p:prevCondLst>
+                <p:cond evt="onPrev" delay="0">
+                  <p:tgtEl>
+                    <p:sldTgt/>
+                  </p:tgtEl>
+                </p:cond>
+              </p:prevCondLst>
+              <p:nextCondLst>
+                <p:cond evt="onNext" delay="0">
+                  <p:tgtEl>
+                    <p:sldTgt/>
+                  </p:tgtEl>
+                </p:cond>
+              </p:nextCondLst>
+            </p:seq>
+          </p:childTnLst>
+        </p:cTn>
+      </p:par>
+    </p:tnLst>
+  </p:timing>
 </p:sld>
 </file>
 
@@ -6121,8 +5711,8 @@
         </p:nvSpPr>
         <p:spPr>
           <a:xfrm>
-            <a:off x="943158" y="1268760"/>
-            <a:ext cx="6433908" cy="5400600"/>
+            <a:off x="611560" y="1268760"/>
+            <a:ext cx="8568952" cy="5400600"/>
           </a:xfrm>
         </p:spPr>
         <p:txBody>
@@ -6131,42 +5721,16 @@
           </a:bodyPr>
           <a:lstStyle/>
           <a:p>
-            <a:pPr marL="0" indent="0">
-              <a:lnSpc>
-                <a:spcPct val="150000"/>
-              </a:lnSpc>
-              <a:spcBef>
-                <a:spcPts val="3000"/>
-              </a:spcBef>
-              <a:spcAft>
-                <a:spcPts val="600"/>
-              </a:spcAft>
-              <a:buNone/>
-            </a:pPr>
-            <a:r>
-              <a:rPr lang="hu-HU" sz="2000" dirty="0">
-                <a:latin typeface="Times New Roman" panose="02020603050405020304" pitchFamily="18" charset="0"/>
-                <a:cs typeface="Times New Roman" panose="02020603050405020304" pitchFamily="18" charset="0"/>
-              </a:rPr>
-              <a:t>A cipő-raktár nevezetű oldalt azért hoztam létre mivel érdekelt vagyok a cipők világában és azokkal való kereskedésben. Eddig a személyes cipő gyűjteményemet ezekkel foglalkozó csoportokban és oldalakon hirdettem, de ahogy egyre több cipőm összegyűlt nehéz számon tartani őket, főképp, ha valaki hasonló cipőket keres mindegyiket egyesével küldeni az adott személynek. Ezért is hoztam létre egy webshopot, így könnyebb lesz azok hirdetése és számontartása mivel csak egy linket kell </a:t>
-            </a:r>
-            <a:r>
-              <a:rPr lang="hu-HU" sz="2000" dirty="0" err="1">
-                <a:latin typeface="Times New Roman" panose="02020603050405020304" pitchFamily="18" charset="0"/>
-                <a:cs typeface="Times New Roman" panose="02020603050405020304" pitchFamily="18" charset="0"/>
-              </a:rPr>
-              <a:t>küldenem</a:t>
-            </a:r>
-            <a:r>
-              <a:rPr lang="hu-HU" sz="2000" dirty="0">
-                <a:latin typeface="Times New Roman" panose="02020603050405020304" pitchFamily="18" charset="0"/>
-                <a:cs typeface="Times New Roman" panose="02020603050405020304" pitchFamily="18" charset="0"/>
-              </a:rPr>
-              <a:t> és egyszerűen meg tudják tekinteni a kínálatot, és ha valami megtetszik nekik, le is tudják adni a rendelésüket az oldalon.  </a:t>
-            </a:r>
-          </a:p>
-          <a:p>
-            <a:endParaRPr lang="hu-HU" dirty="0"/>
+            <a:r>
+              <a:rPr lang="hu-HU" sz="3600" dirty="0"/>
+              <a:t>Hobbi</a:t>
+            </a:r>
+          </a:p>
+          <a:p>
+            <a:r>
+              <a:rPr lang="hu-HU" sz="3600" dirty="0"/>
+              <a:t>Eladásmegkönnyebbítésé</a:t>
+            </a:r>
           </a:p>
         </p:txBody>
       </p:sp>
@@ -6180,6 +5744,134 @@
   <p:clrMapOvr>
     <a:masterClrMapping/>
   </p:clrMapOvr>
+  <p:timing>
+    <p:tnLst>
+      <p:par>
+        <p:cTn id="1" dur="indefinite" restart="never" nodeType="tmRoot">
+          <p:childTnLst>
+            <p:seq concurrent="1" nextAc="seek">
+              <p:cTn id="2" dur="indefinite" nodeType="mainSeq">
+                <p:childTnLst>
+                  <p:par>
+                    <p:cTn id="3" fill="hold">
+                      <p:stCondLst>
+                        <p:cond delay="indefinite"/>
+                      </p:stCondLst>
+                      <p:childTnLst>
+                        <p:par>
+                          <p:cTn id="4" fill="hold">
+                            <p:stCondLst>
+                              <p:cond delay="0"/>
+                            </p:stCondLst>
+                            <p:childTnLst>
+                              <p:par>
+                                <p:cTn id="5" presetID="1" presetClass="entr" presetSubtype="0" fill="hold" nodeType="clickEffect">
+                                  <p:stCondLst>
+                                    <p:cond delay="0"/>
+                                  </p:stCondLst>
+                                  <p:childTnLst>
+                                    <p:set>
+                                      <p:cBhvr>
+                                        <p:cTn id="6" dur="1" fill="hold">
+                                          <p:stCondLst>
+                                            <p:cond delay="0"/>
+                                          </p:stCondLst>
+                                        </p:cTn>
+                                        <p:tgtEl>
+                                          <p:spTgt spid="3">
+                                            <p:txEl>
+                                              <p:pRg st="0" end="0"/>
+                                            </p:txEl>
+                                          </p:spTgt>
+                                        </p:tgtEl>
+                                        <p:attrNameLst>
+                                          <p:attrName>style.visibility</p:attrName>
+                                        </p:attrNameLst>
+                                      </p:cBhvr>
+                                      <p:to>
+                                        <p:strVal val="visible"/>
+                                      </p:to>
+                                    </p:set>
+                                  </p:childTnLst>
+                                </p:cTn>
+                              </p:par>
+                            </p:childTnLst>
+                          </p:cTn>
+                        </p:par>
+                      </p:childTnLst>
+                    </p:cTn>
+                  </p:par>
+                  <p:par>
+                    <p:cTn id="7" fill="hold">
+                      <p:stCondLst>
+                        <p:cond delay="indefinite"/>
+                      </p:stCondLst>
+                      <p:childTnLst>
+                        <p:par>
+                          <p:cTn id="8" fill="hold">
+                            <p:stCondLst>
+                              <p:cond delay="0"/>
+                            </p:stCondLst>
+                            <p:childTnLst>
+                              <p:par>
+                                <p:cTn id="9" presetID="1" presetClass="entr" presetSubtype="0" fill="hold" nodeType="clickEffect">
+                                  <p:stCondLst>
+                                    <p:cond delay="0"/>
+                                  </p:stCondLst>
+                                  <p:childTnLst>
+                                    <p:set>
+                                      <p:cBhvr>
+                                        <p:cTn id="10" dur="1" fill="hold">
+                                          <p:stCondLst>
+                                            <p:cond delay="0"/>
+                                          </p:stCondLst>
+                                        </p:cTn>
+                                        <p:tgtEl>
+                                          <p:spTgt spid="3">
+                                            <p:txEl>
+                                              <p:pRg st="1" end="1"/>
+                                            </p:txEl>
+                                          </p:spTgt>
+                                        </p:tgtEl>
+                                        <p:attrNameLst>
+                                          <p:attrName>style.visibility</p:attrName>
+                                        </p:attrNameLst>
+                                      </p:cBhvr>
+                                      <p:to>
+                                        <p:strVal val="visible"/>
+                                      </p:to>
+                                    </p:set>
+                                  </p:childTnLst>
+                                </p:cTn>
+                              </p:par>
+                            </p:childTnLst>
+                          </p:cTn>
+                        </p:par>
+                      </p:childTnLst>
+                    </p:cTn>
+                  </p:par>
+                </p:childTnLst>
+              </p:cTn>
+              <p:prevCondLst>
+                <p:cond evt="onPrev" delay="0">
+                  <p:tgtEl>
+                    <p:sldTgt/>
+                  </p:tgtEl>
+                </p:cond>
+              </p:prevCondLst>
+              <p:nextCondLst>
+                <p:cond evt="onNext" delay="0">
+                  <p:tgtEl>
+                    <p:sldTgt/>
+                  </p:tgtEl>
+                </p:cond>
+              </p:nextCondLst>
+            </p:seq>
+          </p:childTnLst>
+        </p:cTn>
+      </p:par>
+    </p:tnLst>
+  </p:timing>
 </p:sld>
 </file>
 
@@ -6266,16 +5958,6 @@
             <a:r>
               <a:rPr lang="hu-HU" sz="3200" dirty="0"/>
               <a:t> felület </a:t>
-            </a:r>
-          </a:p>
-          <a:p>
-            <a:r>
-              <a:rPr lang="hu-HU" sz="3200" dirty="0" err="1"/>
-              <a:t>Admin</a:t>
-            </a:r>
-            <a:r>
-              <a:rPr lang="hu-HU" sz="3200" dirty="0"/>
-              <a:t> regisztráció</a:t>
             </a:r>
           </a:p>
           <a:p>
@@ -6345,54 +6027,39 @@
           <a:p>
             <a:r>
               <a:rPr lang="hu-HU" dirty="0"/>
-              <a:t>Kapcsolatok</a:t>
+              <a:t>Kapcsolatok:</a:t>
             </a:r>
           </a:p>
         </p:txBody>
       </p:sp>
       <p:pic>
         <p:nvPicPr>
-          <p:cNvPr id="4" name="Tartalom helye 3" descr="A képen szöveg látható&#10;&#10;Automatikusan generált leírás">
+          <p:cNvPr id="7" name="Kép 6">
             <a:extLst>
               <a:ext uri="{FF2B5EF4-FFF2-40B4-BE49-F238E27FC236}">
-                <a16:creationId xmlns:a16="http://schemas.microsoft.com/office/drawing/2014/main" id="{FF72AD05-EC70-477B-8672-C775D1EA7EF1}"/>
+                <a16:creationId xmlns:a16="http://schemas.microsoft.com/office/drawing/2014/main" id="{41164CD2-4659-43C3-B418-9681A29F8472}"/>
               </a:ext>
             </a:extLst>
           </p:cNvPr>
           <p:cNvPicPr>
-            <a:picLocks noGrp="1"/>
+            <a:picLocks noChangeAspect="1"/>
           </p:cNvPicPr>
-          <p:nvPr>
-            <p:ph idx="1"/>
-          </p:nvPr>
+          <p:nvPr/>
         </p:nvPicPr>
-        <p:blipFill rotWithShape="1">
-          <a:blip r:embed="rId2">
-            <a:extLst>
-              <a:ext uri="{28A0092B-C50C-407E-A947-70E740481C1C}">
-                <a14:useLocalDpi xmlns:a14="http://schemas.microsoft.com/office/drawing/2010/main" val="0"/>
-              </a:ext>
-            </a:extLst>
-          </a:blip>
-          <a:srcRect b="18394"/>
-          <a:stretch/>
+        <p:blipFill>
+          <a:blip r:embed="rId2"/>
+          <a:stretch>
+            <a:fillRect/>
+          </a:stretch>
         </p:blipFill>
-        <p:spPr bwMode="auto">
+        <p:spPr>
           <a:xfrm>
-            <a:off x="640015" y="1896156"/>
-            <a:ext cx="7056784" cy="3065688"/>
+            <a:off x="323528" y="2029023"/>
+            <a:ext cx="7420685" cy="2799953"/>
           </a:xfrm>
           <a:prstGeom prst="rect">
             <a:avLst/>
           </a:prstGeom>
-          <a:ln>
-            <a:noFill/>
-          </a:ln>
-          <a:extLst>
-            <a:ext uri="{53640926-AAD7-44D8-BBD7-CCE9431645EC}">
-              <a14:shadowObscured xmlns:a14="http://schemas.microsoft.com/office/drawing/2010/main"/>
-            </a:ext>
-          </a:extLst>
         </p:spPr>
       </p:pic>
     </p:spTree>
@@ -7085,103 +6752,6 @@
           <p:cNvPr id="2" name="Cím 1">
             <a:extLst>
               <a:ext uri="{FF2B5EF4-FFF2-40B4-BE49-F238E27FC236}">
-                <a16:creationId xmlns:a16="http://schemas.microsoft.com/office/drawing/2014/main" id="{F31B42DB-4EF8-A9D6-FE5C-AF7B57767BD9}"/>
-              </a:ext>
-            </a:extLst>
-          </p:cNvPr>
-          <p:cNvSpPr>
-            <a:spLocks noGrp="1"/>
-          </p:cNvSpPr>
-          <p:nvPr>
-            <p:ph type="title"/>
-          </p:nvPr>
-        </p:nvSpPr>
-        <p:spPr/>
-        <p:txBody>
-          <a:bodyPr/>
-          <a:lstStyle/>
-          <a:p>
-            <a:r>
-              <a:rPr lang="hu-HU" dirty="0"/>
-              <a:t>Modellek:</a:t>
-            </a:r>
-            <a:endParaRPr lang="en-US" dirty="0"/>
-          </a:p>
-        </p:txBody>
-      </p:sp>
-      <p:pic>
-        <p:nvPicPr>
-          <p:cNvPr id="4" name="Tartalom helye 3" descr="A képen szöveg, lábbelik látható&#10;&#10;Automatikusan generált leírás">
-            <a:extLst>
-              <a:ext uri="{FF2B5EF4-FFF2-40B4-BE49-F238E27FC236}">
-                <a16:creationId xmlns:a16="http://schemas.microsoft.com/office/drawing/2014/main" id="{7B16F7AB-BCAA-805E-E2C0-283A932E2673}"/>
-              </a:ext>
-            </a:extLst>
-          </p:cNvPr>
-          <p:cNvPicPr>
-            <a:picLocks noGrp="1" noChangeAspect="1"/>
-          </p:cNvPicPr>
-          <p:nvPr>
-            <p:ph idx="1"/>
-          </p:nvPr>
-        </p:nvPicPr>
-        <p:blipFill>
-          <a:blip r:embed="rId2">
-            <a:extLst>
-              <a:ext uri="{28A0092B-C50C-407E-A947-70E740481C1C}">
-                <a14:useLocalDpi xmlns:a14="http://schemas.microsoft.com/office/drawing/2010/main" val="0"/>
-              </a:ext>
-            </a:extLst>
-          </a:blip>
-          <a:stretch>
-            <a:fillRect/>
-          </a:stretch>
-        </p:blipFill>
-        <p:spPr>
-          <a:xfrm>
-            <a:off x="946404" y="1916832"/>
-            <a:ext cx="6446838" cy="3818361"/>
-          </a:xfrm>
-          <a:prstGeom prst="rect">
-            <a:avLst/>
-          </a:prstGeom>
-        </p:spPr>
-      </p:pic>
-    </p:spTree>
-    <p:extLst>
-      <p:ext uri="{BB962C8B-B14F-4D97-AF65-F5344CB8AC3E}">
-        <p14:creationId xmlns:p14="http://schemas.microsoft.com/office/powerpoint/2010/main" val="1812231241"/>
-      </p:ext>
-    </p:extLst>
-  </p:cSld>
-  <p:clrMapOvr>
-    <a:masterClrMapping/>
-  </p:clrMapOvr>
-</p:sld>
-</file>
-
-<file path=ppt/slides/slide7.xml><?xml version="1.0" encoding="utf-8"?>
-<p:sld xmlns:a="http://schemas.openxmlformats.org/drawingml/2006/main" xmlns:r="http://schemas.openxmlformats.org/officeDocument/2006/relationships" xmlns:p="http://schemas.openxmlformats.org/presentationml/2006/main">
-  <p:cSld>
-    <p:spTree>
-      <p:nvGrpSpPr>
-        <p:cNvPr id="1" name=""/>
-        <p:cNvGrpSpPr/>
-        <p:nvPr/>
-      </p:nvGrpSpPr>
-      <p:grpSpPr>
-        <a:xfrm>
-          <a:off x="0" y="0"/>
-          <a:ext cx="0" cy="0"/>
-          <a:chOff x="0" y="0"/>
-          <a:chExt cx="0" cy="0"/>
-        </a:xfrm>
-      </p:grpSpPr>
-      <p:sp>
-        <p:nvSpPr>
-          <p:cNvPr id="2" name="Cím 1">
-            <a:extLst>
-              <a:ext uri="{FF2B5EF4-FFF2-40B4-BE49-F238E27FC236}">
                 <a16:creationId xmlns:a16="http://schemas.microsoft.com/office/drawing/2014/main" id="{88E10941-38A5-9DD3-B117-4D9B12F0E788}"/>
               </a:ext>
             </a:extLst>
@@ -7248,7 +6818,7 @@
 </p:sld>
 </file>
 
-<file path=ppt/slides/slide8.xml><?xml version="1.0" encoding="utf-8"?>
+<file path=ppt/slides/slide7.xml><?xml version="1.0" encoding="utf-8"?>
 <p:sld xmlns:a="http://schemas.openxmlformats.org/drawingml/2006/main" xmlns:r="http://schemas.openxmlformats.org/officeDocument/2006/relationships" xmlns:p="http://schemas.openxmlformats.org/presentationml/2006/main">
   <p:cSld>
     <p:spTree>
@@ -7345,7 +6915,7 @@
 </p:sld>
 </file>
 
-<file path=ppt/slides/slide9.xml><?xml version="1.0" encoding="utf-8"?>
+<file path=ppt/slides/slide8.xml><?xml version="1.0" encoding="utf-8"?>
 <p:sld xmlns:a="http://schemas.openxmlformats.org/drawingml/2006/main" xmlns:r="http://schemas.openxmlformats.org/officeDocument/2006/relationships" xmlns:p="http://schemas.openxmlformats.org/presentationml/2006/main">
   <p:cSld>
     <p:spTree>
@@ -7437,6 +7007,101 @@
     <p:extLst>
       <p:ext uri="{BB962C8B-B14F-4D97-AF65-F5344CB8AC3E}">
         <p14:creationId xmlns:p14="http://schemas.microsoft.com/office/powerpoint/2010/main" val="2358689664"/>
+      </p:ext>
+    </p:extLst>
+  </p:cSld>
+  <p:clrMapOvr>
+    <a:masterClrMapping/>
+  </p:clrMapOvr>
+</p:sld>
+</file>
+
+<file path=ppt/slides/slide9.xml><?xml version="1.0" encoding="utf-8"?>
+<p:sld xmlns:a="http://schemas.openxmlformats.org/drawingml/2006/main" xmlns:r="http://schemas.openxmlformats.org/officeDocument/2006/relationships" xmlns:p="http://schemas.openxmlformats.org/presentationml/2006/main">
+  <p:cSld>
+    <p:spTree>
+      <p:nvGrpSpPr>
+        <p:cNvPr id="1" name=""/>
+        <p:cNvGrpSpPr/>
+        <p:nvPr/>
+      </p:nvGrpSpPr>
+      <p:grpSpPr>
+        <a:xfrm>
+          <a:off x="0" y="0"/>
+          <a:ext cx="0" cy="0"/>
+          <a:chOff x="0" y="0"/>
+          <a:chExt cx="0" cy="0"/>
+        </a:xfrm>
+      </p:grpSpPr>
+      <p:sp>
+        <p:nvSpPr>
+          <p:cNvPr id="2" name="Cím 1">
+            <a:extLst>
+              <a:ext uri="{FF2B5EF4-FFF2-40B4-BE49-F238E27FC236}">
+                <a16:creationId xmlns:a16="http://schemas.microsoft.com/office/drawing/2014/main" id="{C74CC35C-4339-7A06-AE28-5D0ACA78867A}"/>
+              </a:ext>
+            </a:extLst>
+          </p:cNvPr>
+          <p:cNvSpPr>
+            <a:spLocks noGrp="1"/>
+          </p:cNvSpPr>
+          <p:nvPr>
+            <p:ph type="title"/>
+          </p:nvPr>
+        </p:nvSpPr>
+        <p:spPr/>
+        <p:txBody>
+          <a:bodyPr/>
+          <a:lstStyle/>
+          <a:p>
+            <a:r>
+              <a:rPr lang="hu-HU" dirty="0" err="1"/>
+              <a:t>Admin</a:t>
+            </a:r>
+            <a:r>
+              <a:rPr lang="hu-HU" dirty="0"/>
+              <a:t> főoldal:</a:t>
+            </a:r>
+            <a:endParaRPr lang="en-US" dirty="0"/>
+          </a:p>
+        </p:txBody>
+      </p:sp>
+      <p:pic>
+        <p:nvPicPr>
+          <p:cNvPr id="4" name="Tartalom helye 3">
+            <a:extLst>
+              <a:ext uri="{FF2B5EF4-FFF2-40B4-BE49-F238E27FC236}">
+                <a16:creationId xmlns:a16="http://schemas.microsoft.com/office/drawing/2014/main" id="{E395E58D-D40F-6CBC-120F-619B20F89806}"/>
+              </a:ext>
+            </a:extLst>
+          </p:cNvPr>
+          <p:cNvPicPr>
+            <a:picLocks noGrp="1" noChangeAspect="1"/>
+          </p:cNvPicPr>
+          <p:nvPr>
+            <p:ph idx="1"/>
+          </p:nvPr>
+        </p:nvPicPr>
+        <p:blipFill>
+          <a:blip r:embed="rId2"/>
+          <a:stretch>
+            <a:fillRect/>
+          </a:stretch>
+        </p:blipFill>
+        <p:spPr>
+          <a:xfrm>
+            <a:off x="494114" y="2276872"/>
+            <a:ext cx="7698732" cy="2016224"/>
+          </a:xfrm>
+          <a:prstGeom prst="rect">
+            <a:avLst/>
+          </a:prstGeom>
+        </p:spPr>
+      </p:pic>
+    </p:spTree>
+    <p:extLst>
+      <p:ext uri="{BB962C8B-B14F-4D97-AF65-F5344CB8AC3E}">
+        <p14:creationId xmlns:p14="http://schemas.microsoft.com/office/powerpoint/2010/main" val="3241546182"/>
       </p:ext>
     </p:extLst>
   </p:cSld>
